--- a/東誼碩論.pptx
+++ b/東誼碩論.pptx
@@ -125,6 +125,11 @@
       </a:defRPr>
     </a:lvl9pPr>
   </p:defaultTextStyle>
+  <p:extLst>
+    <p:ext uri="{EFAFB233-063F-42B5-8137-9DF3F51BA10A}">
+      <p15:sldGuideLst xmlns:p15="http://schemas.microsoft.com/office/powerpoint/2012/main"/>
+    </p:ext>
+  </p:extLst>
 </p:presentation>
 </file>
 
@@ -210,7 +215,7 @@
           <a:p>
             <a:fld id="{2523279D-9A73-1E4E-A558-30F0C5C934A2}" type="datetimeFigureOut">
               <a:rPr kumimoji="1" lang="zh-TW" altLang="en-US" smtClean="0"/>
-              <a:t>2020/12/13</a:t>
+              <a:t>2021/3/25</a:t>
             </a:fld>
             <a:endParaRPr kumimoji="1" lang="zh-TW" altLang="en-US"/>
           </a:p>
@@ -2100,7 +2105,7 @@
           <a:p>
             <a:fld id="{42D62A5D-4B0B-174D-80B8-8F6A6E5426C8}" type="datetimeFigureOut">
               <a:rPr kumimoji="1" lang="zh-TW" altLang="en-US" smtClean="0"/>
-              <a:t>2020/12/13</a:t>
+              <a:t>2021/3/25</a:t>
             </a:fld>
             <a:endParaRPr kumimoji="1" lang="zh-TW" altLang="en-US"/>
           </a:p>
@@ -2298,7 +2303,7 @@
           <a:p>
             <a:fld id="{42D62A5D-4B0B-174D-80B8-8F6A6E5426C8}" type="datetimeFigureOut">
               <a:rPr kumimoji="1" lang="zh-TW" altLang="en-US" smtClean="0"/>
-              <a:t>2020/12/13</a:t>
+              <a:t>2021/3/25</a:t>
             </a:fld>
             <a:endParaRPr kumimoji="1" lang="zh-TW" altLang="en-US"/>
           </a:p>
@@ -2506,7 +2511,7 @@
           <a:p>
             <a:fld id="{42D62A5D-4B0B-174D-80B8-8F6A6E5426C8}" type="datetimeFigureOut">
               <a:rPr kumimoji="1" lang="zh-TW" altLang="en-US" smtClean="0"/>
-              <a:t>2020/12/13</a:t>
+              <a:t>2021/3/25</a:t>
             </a:fld>
             <a:endParaRPr kumimoji="1" lang="zh-TW" altLang="en-US"/>
           </a:p>
@@ -2704,7 +2709,7 @@
           <a:p>
             <a:fld id="{42D62A5D-4B0B-174D-80B8-8F6A6E5426C8}" type="datetimeFigureOut">
               <a:rPr kumimoji="1" lang="zh-TW" altLang="en-US" smtClean="0"/>
-              <a:t>2020/12/13</a:t>
+              <a:t>2021/3/25</a:t>
             </a:fld>
             <a:endParaRPr kumimoji="1" lang="zh-TW" altLang="en-US"/>
           </a:p>
@@ -2979,7 +2984,7 @@
           <a:p>
             <a:fld id="{42D62A5D-4B0B-174D-80B8-8F6A6E5426C8}" type="datetimeFigureOut">
               <a:rPr kumimoji="1" lang="zh-TW" altLang="en-US" smtClean="0"/>
-              <a:t>2020/12/13</a:t>
+              <a:t>2021/3/25</a:t>
             </a:fld>
             <a:endParaRPr kumimoji="1" lang="zh-TW" altLang="en-US"/>
           </a:p>
@@ -3244,7 +3249,7 @@
           <a:p>
             <a:fld id="{42D62A5D-4B0B-174D-80B8-8F6A6E5426C8}" type="datetimeFigureOut">
               <a:rPr kumimoji="1" lang="zh-TW" altLang="en-US" smtClean="0"/>
-              <a:t>2020/12/13</a:t>
+              <a:t>2021/3/25</a:t>
             </a:fld>
             <a:endParaRPr kumimoji="1" lang="zh-TW" altLang="en-US"/>
           </a:p>
@@ -3656,7 +3661,7 @@
           <a:p>
             <a:fld id="{42D62A5D-4B0B-174D-80B8-8F6A6E5426C8}" type="datetimeFigureOut">
               <a:rPr kumimoji="1" lang="zh-TW" altLang="en-US" smtClean="0"/>
-              <a:t>2020/12/13</a:t>
+              <a:t>2021/3/25</a:t>
             </a:fld>
             <a:endParaRPr kumimoji="1" lang="zh-TW" altLang="en-US"/>
           </a:p>
@@ -3797,7 +3802,7 @@
           <a:p>
             <a:fld id="{42D62A5D-4B0B-174D-80B8-8F6A6E5426C8}" type="datetimeFigureOut">
               <a:rPr kumimoji="1" lang="zh-TW" altLang="en-US" smtClean="0"/>
-              <a:t>2020/12/13</a:t>
+              <a:t>2021/3/25</a:t>
             </a:fld>
             <a:endParaRPr kumimoji="1" lang="zh-TW" altLang="en-US"/>
           </a:p>
@@ -3910,7 +3915,7 @@
           <a:p>
             <a:fld id="{42D62A5D-4B0B-174D-80B8-8F6A6E5426C8}" type="datetimeFigureOut">
               <a:rPr kumimoji="1" lang="zh-TW" altLang="en-US" smtClean="0"/>
-              <a:t>2020/12/13</a:t>
+              <a:t>2021/3/25</a:t>
             </a:fld>
             <a:endParaRPr kumimoji="1" lang="zh-TW" altLang="en-US"/>
           </a:p>
@@ -4221,7 +4226,7 @@
           <a:p>
             <a:fld id="{42D62A5D-4B0B-174D-80B8-8F6A6E5426C8}" type="datetimeFigureOut">
               <a:rPr kumimoji="1" lang="zh-TW" altLang="en-US" smtClean="0"/>
-              <a:t>2020/12/13</a:t>
+              <a:t>2021/3/25</a:t>
             </a:fld>
             <a:endParaRPr kumimoji="1" lang="zh-TW" altLang="en-US"/>
           </a:p>
@@ -4509,7 +4514,7 @@
           <a:p>
             <a:fld id="{42D62A5D-4B0B-174D-80B8-8F6A6E5426C8}" type="datetimeFigureOut">
               <a:rPr kumimoji="1" lang="zh-TW" altLang="en-US" smtClean="0"/>
-              <a:t>2020/12/13</a:t>
+              <a:t>2021/3/25</a:t>
             </a:fld>
             <a:endParaRPr kumimoji="1" lang="zh-TW" altLang="en-US"/>
           </a:p>
@@ -4750,7 +4755,7 @@
           <a:p>
             <a:fld id="{42D62A5D-4B0B-174D-80B8-8F6A6E5426C8}" type="datetimeFigureOut">
               <a:rPr kumimoji="1" lang="zh-TW" altLang="en-US" smtClean="0"/>
-              <a:t>2020/12/13</a:t>
+              <a:t>2021/3/25</a:t>
             </a:fld>
             <a:endParaRPr kumimoji="1" lang="zh-TW" altLang="en-US"/>
           </a:p>
@@ -6733,7 +6738,7 @@
         </p:blipFill>
         <p:spPr>
           <a:xfrm>
-            <a:off x="1482726" y="1550987"/>
+            <a:off x="4086778" y="365125"/>
             <a:ext cx="7467601" cy="1754343"/>
           </a:xfrm>
           <a:prstGeom prst="rect">
